--- a/Vídeo e Relatório Parcial/SLIDE APRESENTAÇÃO PARCIAL.pptx
+++ b/Vídeo e Relatório Parcial/SLIDE APRESENTAÇÃO PARCIAL.pptx
@@ -148,7 +148,7 @@
           <p:cNvPr id="2" name="Título 1">
             <a:extLst>
               <a:ext uri="{FF2B5EF4-FFF2-40B4-BE49-F238E27FC236}">
-                <a16:creationId xmlns="" xmlns:a16="http://schemas.microsoft.com/office/drawing/2014/main" id="{A194DAA5-1152-4330-83A4-18198CE40885}"/>
+                <a16:creationId xmlns:a16="http://schemas.microsoft.com/office/drawing/2014/main" xmlns="" id="{A194DAA5-1152-4330-83A4-18198CE40885}"/>
               </a:ext>
             </a:extLst>
           </p:cNvPr>
@@ -185,7 +185,7 @@
           <p:cNvPr id="3" name="Subtítulo 2">
             <a:extLst>
               <a:ext uri="{FF2B5EF4-FFF2-40B4-BE49-F238E27FC236}">
-                <a16:creationId xmlns="" xmlns:a16="http://schemas.microsoft.com/office/drawing/2014/main" id="{6C4118C8-AF7B-4EC0-B4FA-D0E1F243B509}"/>
+                <a16:creationId xmlns:a16="http://schemas.microsoft.com/office/drawing/2014/main" xmlns="" id="{6C4118C8-AF7B-4EC0-B4FA-D0E1F243B509}"/>
               </a:ext>
             </a:extLst>
           </p:cNvPr>
@@ -255,7 +255,7 @@
           <p:cNvPr id="4" name="Espaço Reservado para Data 3">
             <a:extLst>
               <a:ext uri="{FF2B5EF4-FFF2-40B4-BE49-F238E27FC236}">
-                <a16:creationId xmlns="" xmlns:a16="http://schemas.microsoft.com/office/drawing/2014/main" id="{1C14EE25-E1C5-4D3A-9EBB-7C7913155DF7}"/>
+                <a16:creationId xmlns:a16="http://schemas.microsoft.com/office/drawing/2014/main" xmlns="" id="{1C14EE25-E1C5-4D3A-9EBB-7C7913155DF7}"/>
               </a:ext>
             </a:extLst>
           </p:cNvPr>
@@ -273,7 +273,7 @@
           <a:p>
             <a:fld id="{314398B0-7533-40F2-BBFE-2D620518F355}" type="datetimeFigureOut">
               <a:rPr lang="pt-BR" smtClean="0"/>
-              <a:t>10/06/2020</a:t>
+              <a:t>12/06/2020</a:t>
             </a:fld>
             <a:endParaRPr lang="pt-BR"/>
           </a:p>
@@ -284,7 +284,7 @@
           <p:cNvPr id="5" name="Espaço Reservado para Rodapé 4">
             <a:extLst>
               <a:ext uri="{FF2B5EF4-FFF2-40B4-BE49-F238E27FC236}">
-                <a16:creationId xmlns="" xmlns:a16="http://schemas.microsoft.com/office/drawing/2014/main" id="{B1DE2EDF-F126-4E22-9989-516D61164FF9}"/>
+                <a16:creationId xmlns:a16="http://schemas.microsoft.com/office/drawing/2014/main" xmlns="" id="{B1DE2EDF-F126-4E22-9989-516D61164FF9}"/>
               </a:ext>
             </a:extLst>
           </p:cNvPr>
@@ -309,7 +309,7 @@
           <p:cNvPr id="6" name="Espaço Reservado para Número de Slide 5">
             <a:extLst>
               <a:ext uri="{FF2B5EF4-FFF2-40B4-BE49-F238E27FC236}">
-                <a16:creationId xmlns="" xmlns:a16="http://schemas.microsoft.com/office/drawing/2014/main" id="{DFB318E5-0D58-474C-87BD-09867C002DBA}"/>
+                <a16:creationId xmlns:a16="http://schemas.microsoft.com/office/drawing/2014/main" xmlns="" id="{DFB318E5-0D58-474C-87BD-09867C002DBA}"/>
               </a:ext>
             </a:extLst>
           </p:cNvPr>
@@ -368,7 +368,7 @@
           <p:cNvPr id="2" name="Título 1">
             <a:extLst>
               <a:ext uri="{FF2B5EF4-FFF2-40B4-BE49-F238E27FC236}">
-                <a16:creationId xmlns="" xmlns:a16="http://schemas.microsoft.com/office/drawing/2014/main" id="{1B1E89DD-2113-4245-9A6F-21C5326F4655}"/>
+                <a16:creationId xmlns:a16="http://schemas.microsoft.com/office/drawing/2014/main" xmlns="" id="{1B1E89DD-2113-4245-9A6F-21C5326F4655}"/>
               </a:ext>
             </a:extLst>
           </p:cNvPr>
@@ -396,7 +396,7 @@
           <p:cNvPr id="3" name="Espaço Reservado para Texto Vertical 2">
             <a:extLst>
               <a:ext uri="{FF2B5EF4-FFF2-40B4-BE49-F238E27FC236}">
-                <a16:creationId xmlns="" xmlns:a16="http://schemas.microsoft.com/office/drawing/2014/main" id="{EEB0BE21-E6ED-404B-B5EC-D4165638B20B}"/>
+                <a16:creationId xmlns:a16="http://schemas.microsoft.com/office/drawing/2014/main" xmlns="" id="{EEB0BE21-E6ED-404B-B5EC-D4165638B20B}"/>
               </a:ext>
             </a:extLst>
           </p:cNvPr>
@@ -453,7 +453,7 @@
           <p:cNvPr id="4" name="Espaço Reservado para Data 3">
             <a:extLst>
               <a:ext uri="{FF2B5EF4-FFF2-40B4-BE49-F238E27FC236}">
-                <a16:creationId xmlns="" xmlns:a16="http://schemas.microsoft.com/office/drawing/2014/main" id="{3FF3A1E6-2742-498A-8175-9D0651703337}"/>
+                <a16:creationId xmlns:a16="http://schemas.microsoft.com/office/drawing/2014/main" xmlns="" id="{3FF3A1E6-2742-498A-8175-9D0651703337}"/>
               </a:ext>
             </a:extLst>
           </p:cNvPr>
@@ -471,7 +471,7 @@
           <a:p>
             <a:fld id="{314398B0-7533-40F2-BBFE-2D620518F355}" type="datetimeFigureOut">
               <a:rPr lang="pt-BR" smtClean="0"/>
-              <a:t>10/06/2020</a:t>
+              <a:t>12/06/2020</a:t>
             </a:fld>
             <a:endParaRPr lang="pt-BR"/>
           </a:p>
@@ -482,7 +482,7 @@
           <p:cNvPr id="5" name="Espaço Reservado para Rodapé 4">
             <a:extLst>
               <a:ext uri="{FF2B5EF4-FFF2-40B4-BE49-F238E27FC236}">
-                <a16:creationId xmlns="" xmlns:a16="http://schemas.microsoft.com/office/drawing/2014/main" id="{EBE0C18B-C279-4D99-9184-6F99BA697211}"/>
+                <a16:creationId xmlns:a16="http://schemas.microsoft.com/office/drawing/2014/main" xmlns="" id="{EBE0C18B-C279-4D99-9184-6F99BA697211}"/>
               </a:ext>
             </a:extLst>
           </p:cNvPr>
@@ -507,7 +507,7 @@
           <p:cNvPr id="6" name="Espaço Reservado para Número de Slide 5">
             <a:extLst>
               <a:ext uri="{FF2B5EF4-FFF2-40B4-BE49-F238E27FC236}">
-                <a16:creationId xmlns="" xmlns:a16="http://schemas.microsoft.com/office/drawing/2014/main" id="{A1A5A280-EE17-4EEA-8912-82F419C93A6E}"/>
+                <a16:creationId xmlns:a16="http://schemas.microsoft.com/office/drawing/2014/main" xmlns="" id="{A1A5A280-EE17-4EEA-8912-82F419C93A6E}"/>
               </a:ext>
             </a:extLst>
           </p:cNvPr>
@@ -566,7 +566,7 @@
           <p:cNvPr id="2" name="Título Vertical 1">
             <a:extLst>
               <a:ext uri="{FF2B5EF4-FFF2-40B4-BE49-F238E27FC236}">
-                <a16:creationId xmlns="" xmlns:a16="http://schemas.microsoft.com/office/drawing/2014/main" id="{C03D724C-67C7-4D32-A01C-B0BB3ECD8EB3}"/>
+                <a16:creationId xmlns:a16="http://schemas.microsoft.com/office/drawing/2014/main" xmlns="" id="{C03D724C-67C7-4D32-A01C-B0BB3ECD8EB3}"/>
               </a:ext>
             </a:extLst>
           </p:cNvPr>
@@ -599,7 +599,7 @@
           <p:cNvPr id="3" name="Espaço Reservado para Texto Vertical 2">
             <a:extLst>
               <a:ext uri="{FF2B5EF4-FFF2-40B4-BE49-F238E27FC236}">
-                <a16:creationId xmlns="" xmlns:a16="http://schemas.microsoft.com/office/drawing/2014/main" id="{3626FE6B-3A8B-4746-A166-2B19387040BF}"/>
+                <a16:creationId xmlns:a16="http://schemas.microsoft.com/office/drawing/2014/main" xmlns="" id="{3626FE6B-3A8B-4746-A166-2B19387040BF}"/>
               </a:ext>
             </a:extLst>
           </p:cNvPr>
@@ -661,7 +661,7 @@
           <p:cNvPr id="4" name="Espaço Reservado para Data 3">
             <a:extLst>
               <a:ext uri="{FF2B5EF4-FFF2-40B4-BE49-F238E27FC236}">
-                <a16:creationId xmlns="" xmlns:a16="http://schemas.microsoft.com/office/drawing/2014/main" id="{FDECFB03-9C0F-4B3C-BA48-16014294A4EC}"/>
+                <a16:creationId xmlns:a16="http://schemas.microsoft.com/office/drawing/2014/main" xmlns="" id="{FDECFB03-9C0F-4B3C-BA48-16014294A4EC}"/>
               </a:ext>
             </a:extLst>
           </p:cNvPr>
@@ -679,7 +679,7 @@
           <a:p>
             <a:fld id="{314398B0-7533-40F2-BBFE-2D620518F355}" type="datetimeFigureOut">
               <a:rPr lang="pt-BR" smtClean="0"/>
-              <a:t>10/06/2020</a:t>
+              <a:t>12/06/2020</a:t>
             </a:fld>
             <a:endParaRPr lang="pt-BR"/>
           </a:p>
@@ -690,7 +690,7 @@
           <p:cNvPr id="5" name="Espaço Reservado para Rodapé 4">
             <a:extLst>
               <a:ext uri="{FF2B5EF4-FFF2-40B4-BE49-F238E27FC236}">
-                <a16:creationId xmlns="" xmlns:a16="http://schemas.microsoft.com/office/drawing/2014/main" id="{88B30232-CA76-4922-AE77-FAA7E009046F}"/>
+                <a16:creationId xmlns:a16="http://schemas.microsoft.com/office/drawing/2014/main" xmlns="" id="{88B30232-CA76-4922-AE77-FAA7E009046F}"/>
               </a:ext>
             </a:extLst>
           </p:cNvPr>
@@ -715,7 +715,7 @@
           <p:cNvPr id="6" name="Espaço Reservado para Número de Slide 5">
             <a:extLst>
               <a:ext uri="{FF2B5EF4-FFF2-40B4-BE49-F238E27FC236}">
-                <a16:creationId xmlns="" xmlns:a16="http://schemas.microsoft.com/office/drawing/2014/main" id="{D9A1065A-B38D-4EF5-A176-C6D00F0E7723}"/>
+                <a16:creationId xmlns:a16="http://schemas.microsoft.com/office/drawing/2014/main" xmlns="" id="{D9A1065A-B38D-4EF5-A176-C6D00F0E7723}"/>
               </a:ext>
             </a:extLst>
           </p:cNvPr>
@@ -774,7 +774,7 @@
           <p:cNvPr id="8" name="Imagem 7">
             <a:extLst>
               <a:ext uri="{FF2B5EF4-FFF2-40B4-BE49-F238E27FC236}">
-                <a16:creationId xmlns="" xmlns:a16="http://schemas.microsoft.com/office/drawing/2014/main" id="{D7090AF1-5EB9-4906-B181-AF7AC18CBB40}"/>
+                <a16:creationId xmlns:a16="http://schemas.microsoft.com/office/drawing/2014/main" xmlns="" id="{D7090AF1-5EB9-4906-B181-AF7AC18CBB40}"/>
               </a:ext>
             </a:extLst>
           </p:cNvPr>
@@ -810,7 +810,7 @@
           <p:cNvPr id="2" name="Título 1">
             <a:extLst>
               <a:ext uri="{FF2B5EF4-FFF2-40B4-BE49-F238E27FC236}">
-                <a16:creationId xmlns="" xmlns:a16="http://schemas.microsoft.com/office/drawing/2014/main" id="{8EF68AB4-D725-4287-9514-4636EDCF475A}"/>
+                <a16:creationId xmlns:a16="http://schemas.microsoft.com/office/drawing/2014/main" xmlns="" id="{8EF68AB4-D725-4287-9514-4636EDCF475A}"/>
               </a:ext>
             </a:extLst>
           </p:cNvPr>
@@ -857,7 +857,7 @@
           <p:cNvPr id="3" name="Espaço Reservado para Conteúdo 2">
             <a:extLst>
               <a:ext uri="{FF2B5EF4-FFF2-40B4-BE49-F238E27FC236}">
-                <a16:creationId xmlns="" xmlns:a16="http://schemas.microsoft.com/office/drawing/2014/main" id="{203783F7-96C5-40BD-9A08-EFE9388AD884}"/>
+                <a16:creationId xmlns:a16="http://schemas.microsoft.com/office/drawing/2014/main" xmlns="" id="{203783F7-96C5-40BD-9A08-EFE9388AD884}"/>
               </a:ext>
             </a:extLst>
           </p:cNvPr>
@@ -965,7 +965,7 @@
           <p:cNvPr id="4" name="Espaço Reservado para Data 3">
             <a:extLst>
               <a:ext uri="{FF2B5EF4-FFF2-40B4-BE49-F238E27FC236}">
-                <a16:creationId xmlns="" xmlns:a16="http://schemas.microsoft.com/office/drawing/2014/main" id="{3D0EE799-8BCB-4625-B32A-10C626B770AF}"/>
+                <a16:creationId xmlns:a16="http://schemas.microsoft.com/office/drawing/2014/main" xmlns="" id="{3D0EE799-8BCB-4625-B32A-10C626B770AF}"/>
               </a:ext>
             </a:extLst>
           </p:cNvPr>
@@ -983,7 +983,7 @@
           <a:p>
             <a:fld id="{314398B0-7533-40F2-BBFE-2D620518F355}" type="datetimeFigureOut">
               <a:rPr lang="pt-BR" smtClean="0"/>
-              <a:t>10/06/2020</a:t>
+              <a:t>12/06/2020</a:t>
             </a:fld>
             <a:endParaRPr lang="pt-BR"/>
           </a:p>
@@ -994,7 +994,7 @@
           <p:cNvPr id="5" name="Espaço Reservado para Rodapé 4">
             <a:extLst>
               <a:ext uri="{FF2B5EF4-FFF2-40B4-BE49-F238E27FC236}">
-                <a16:creationId xmlns="" xmlns:a16="http://schemas.microsoft.com/office/drawing/2014/main" id="{4F6E828D-123D-41B5-B826-2C43281B90F7}"/>
+                <a16:creationId xmlns:a16="http://schemas.microsoft.com/office/drawing/2014/main" xmlns="" id="{4F6E828D-123D-41B5-B826-2C43281B90F7}"/>
               </a:ext>
             </a:extLst>
           </p:cNvPr>
@@ -1019,7 +1019,7 @@
           <p:cNvPr id="6" name="Espaço Reservado para Número de Slide 5">
             <a:extLst>
               <a:ext uri="{FF2B5EF4-FFF2-40B4-BE49-F238E27FC236}">
-                <a16:creationId xmlns="" xmlns:a16="http://schemas.microsoft.com/office/drawing/2014/main" id="{55FA3982-F9A5-4CF8-8B68-68A1DC04F767}"/>
+                <a16:creationId xmlns:a16="http://schemas.microsoft.com/office/drawing/2014/main" xmlns="" id="{55FA3982-F9A5-4CF8-8B68-68A1DC04F767}"/>
               </a:ext>
             </a:extLst>
           </p:cNvPr>
@@ -1078,7 +1078,7 @@
           <p:cNvPr id="2" name="Título 1">
             <a:extLst>
               <a:ext uri="{FF2B5EF4-FFF2-40B4-BE49-F238E27FC236}">
-                <a16:creationId xmlns="" xmlns:a16="http://schemas.microsoft.com/office/drawing/2014/main" id="{3A87BD1F-5300-4E4A-99C9-FD4102D269A6}"/>
+                <a16:creationId xmlns:a16="http://schemas.microsoft.com/office/drawing/2014/main" xmlns="" id="{3A87BD1F-5300-4E4A-99C9-FD4102D269A6}"/>
               </a:ext>
             </a:extLst>
           </p:cNvPr>
@@ -1115,7 +1115,7 @@
           <p:cNvPr id="3" name="Espaço Reservado para Texto 2">
             <a:extLst>
               <a:ext uri="{FF2B5EF4-FFF2-40B4-BE49-F238E27FC236}">
-                <a16:creationId xmlns="" xmlns:a16="http://schemas.microsoft.com/office/drawing/2014/main" id="{AF0F7652-8543-4337-8A5A-680A8388FF46}"/>
+                <a16:creationId xmlns:a16="http://schemas.microsoft.com/office/drawing/2014/main" xmlns="" id="{AF0F7652-8543-4337-8A5A-680A8388FF46}"/>
               </a:ext>
             </a:extLst>
           </p:cNvPr>
@@ -1240,7 +1240,7 @@
           <p:cNvPr id="4" name="Espaço Reservado para Data 3">
             <a:extLst>
               <a:ext uri="{FF2B5EF4-FFF2-40B4-BE49-F238E27FC236}">
-                <a16:creationId xmlns="" xmlns:a16="http://schemas.microsoft.com/office/drawing/2014/main" id="{95EBAD6D-D429-4826-8259-9A579A166582}"/>
+                <a16:creationId xmlns:a16="http://schemas.microsoft.com/office/drawing/2014/main" xmlns="" id="{95EBAD6D-D429-4826-8259-9A579A166582}"/>
               </a:ext>
             </a:extLst>
           </p:cNvPr>
@@ -1258,7 +1258,7 @@
           <a:p>
             <a:fld id="{314398B0-7533-40F2-BBFE-2D620518F355}" type="datetimeFigureOut">
               <a:rPr lang="pt-BR" smtClean="0"/>
-              <a:t>10/06/2020</a:t>
+              <a:t>12/06/2020</a:t>
             </a:fld>
             <a:endParaRPr lang="pt-BR"/>
           </a:p>
@@ -1269,7 +1269,7 @@
           <p:cNvPr id="5" name="Espaço Reservado para Rodapé 4">
             <a:extLst>
               <a:ext uri="{FF2B5EF4-FFF2-40B4-BE49-F238E27FC236}">
-                <a16:creationId xmlns="" xmlns:a16="http://schemas.microsoft.com/office/drawing/2014/main" id="{5E1F8C2F-998C-4357-BE2D-0E8F11DB128E}"/>
+                <a16:creationId xmlns:a16="http://schemas.microsoft.com/office/drawing/2014/main" xmlns="" id="{5E1F8C2F-998C-4357-BE2D-0E8F11DB128E}"/>
               </a:ext>
             </a:extLst>
           </p:cNvPr>
@@ -1294,7 +1294,7 @@
           <p:cNvPr id="6" name="Espaço Reservado para Número de Slide 5">
             <a:extLst>
               <a:ext uri="{FF2B5EF4-FFF2-40B4-BE49-F238E27FC236}">
-                <a16:creationId xmlns="" xmlns:a16="http://schemas.microsoft.com/office/drawing/2014/main" id="{A4F87026-4613-434F-A5E2-2CFA13CF5236}"/>
+                <a16:creationId xmlns:a16="http://schemas.microsoft.com/office/drawing/2014/main" xmlns="" id="{A4F87026-4613-434F-A5E2-2CFA13CF5236}"/>
               </a:ext>
             </a:extLst>
           </p:cNvPr>
@@ -1353,7 +1353,7 @@
           <p:cNvPr id="2" name="Título 1">
             <a:extLst>
               <a:ext uri="{FF2B5EF4-FFF2-40B4-BE49-F238E27FC236}">
-                <a16:creationId xmlns="" xmlns:a16="http://schemas.microsoft.com/office/drawing/2014/main" id="{F0313BC9-C152-46D7-95D4-BF0C355CD9B8}"/>
+                <a16:creationId xmlns:a16="http://schemas.microsoft.com/office/drawing/2014/main" xmlns="" id="{F0313BC9-C152-46D7-95D4-BF0C355CD9B8}"/>
               </a:ext>
             </a:extLst>
           </p:cNvPr>
@@ -1381,7 +1381,7 @@
           <p:cNvPr id="3" name="Espaço Reservado para Conteúdo 2">
             <a:extLst>
               <a:ext uri="{FF2B5EF4-FFF2-40B4-BE49-F238E27FC236}">
-                <a16:creationId xmlns="" xmlns:a16="http://schemas.microsoft.com/office/drawing/2014/main" id="{092DB17F-B0E7-4CEF-BA8C-035E980EA11C}"/>
+                <a16:creationId xmlns:a16="http://schemas.microsoft.com/office/drawing/2014/main" xmlns="" id="{092DB17F-B0E7-4CEF-BA8C-035E980EA11C}"/>
               </a:ext>
             </a:extLst>
           </p:cNvPr>
@@ -1443,7 +1443,7 @@
           <p:cNvPr id="4" name="Espaço Reservado para Conteúdo 3">
             <a:extLst>
               <a:ext uri="{FF2B5EF4-FFF2-40B4-BE49-F238E27FC236}">
-                <a16:creationId xmlns="" xmlns:a16="http://schemas.microsoft.com/office/drawing/2014/main" id="{2C0D6FEE-D9E8-404D-985C-5C3029B96CE0}"/>
+                <a16:creationId xmlns:a16="http://schemas.microsoft.com/office/drawing/2014/main" xmlns="" id="{2C0D6FEE-D9E8-404D-985C-5C3029B96CE0}"/>
               </a:ext>
             </a:extLst>
           </p:cNvPr>
@@ -1505,7 +1505,7 @@
           <p:cNvPr id="5" name="Espaço Reservado para Data 4">
             <a:extLst>
               <a:ext uri="{FF2B5EF4-FFF2-40B4-BE49-F238E27FC236}">
-                <a16:creationId xmlns="" xmlns:a16="http://schemas.microsoft.com/office/drawing/2014/main" id="{668CA355-39C2-4105-9AE3-3A2BE2CA854E}"/>
+                <a16:creationId xmlns:a16="http://schemas.microsoft.com/office/drawing/2014/main" xmlns="" id="{668CA355-39C2-4105-9AE3-3A2BE2CA854E}"/>
               </a:ext>
             </a:extLst>
           </p:cNvPr>
@@ -1523,7 +1523,7 @@
           <a:p>
             <a:fld id="{314398B0-7533-40F2-BBFE-2D620518F355}" type="datetimeFigureOut">
               <a:rPr lang="pt-BR" smtClean="0"/>
-              <a:t>10/06/2020</a:t>
+              <a:t>12/06/2020</a:t>
             </a:fld>
             <a:endParaRPr lang="pt-BR"/>
           </a:p>
@@ -1534,7 +1534,7 @@
           <p:cNvPr id="6" name="Espaço Reservado para Rodapé 5">
             <a:extLst>
               <a:ext uri="{FF2B5EF4-FFF2-40B4-BE49-F238E27FC236}">
-                <a16:creationId xmlns="" xmlns:a16="http://schemas.microsoft.com/office/drawing/2014/main" id="{E49DF480-70CE-4A47-9AC1-A49195BAFE00}"/>
+                <a16:creationId xmlns:a16="http://schemas.microsoft.com/office/drawing/2014/main" xmlns="" id="{E49DF480-70CE-4A47-9AC1-A49195BAFE00}"/>
               </a:ext>
             </a:extLst>
           </p:cNvPr>
@@ -1559,7 +1559,7 @@
           <p:cNvPr id="7" name="Espaço Reservado para Número de Slide 6">
             <a:extLst>
               <a:ext uri="{FF2B5EF4-FFF2-40B4-BE49-F238E27FC236}">
-                <a16:creationId xmlns="" xmlns:a16="http://schemas.microsoft.com/office/drawing/2014/main" id="{E71E87A5-1E7A-4A8C-ABA4-2DE45BACD39D}"/>
+                <a16:creationId xmlns:a16="http://schemas.microsoft.com/office/drawing/2014/main" xmlns="" id="{E71E87A5-1E7A-4A8C-ABA4-2DE45BACD39D}"/>
               </a:ext>
             </a:extLst>
           </p:cNvPr>
@@ -1618,7 +1618,7 @@
           <p:cNvPr id="2" name="Título 1">
             <a:extLst>
               <a:ext uri="{FF2B5EF4-FFF2-40B4-BE49-F238E27FC236}">
-                <a16:creationId xmlns="" xmlns:a16="http://schemas.microsoft.com/office/drawing/2014/main" id="{3DA0AB99-4299-4DDB-9A8C-CC60F5918FB8}"/>
+                <a16:creationId xmlns:a16="http://schemas.microsoft.com/office/drawing/2014/main" xmlns="" id="{3DA0AB99-4299-4DDB-9A8C-CC60F5918FB8}"/>
               </a:ext>
             </a:extLst>
           </p:cNvPr>
@@ -1651,7 +1651,7 @@
           <p:cNvPr id="3" name="Espaço Reservado para Texto 2">
             <a:extLst>
               <a:ext uri="{FF2B5EF4-FFF2-40B4-BE49-F238E27FC236}">
-                <a16:creationId xmlns="" xmlns:a16="http://schemas.microsoft.com/office/drawing/2014/main" id="{96DE159B-C576-4198-B89C-8B659BC5D5A3}"/>
+                <a16:creationId xmlns:a16="http://schemas.microsoft.com/office/drawing/2014/main" xmlns="" id="{96DE159B-C576-4198-B89C-8B659BC5D5A3}"/>
               </a:ext>
             </a:extLst>
           </p:cNvPr>
@@ -1722,7 +1722,7 @@
           <p:cNvPr id="4" name="Espaço Reservado para Conteúdo 3">
             <a:extLst>
               <a:ext uri="{FF2B5EF4-FFF2-40B4-BE49-F238E27FC236}">
-                <a16:creationId xmlns="" xmlns:a16="http://schemas.microsoft.com/office/drawing/2014/main" id="{063A36FB-79EB-4521-9F00-052259F6B686}"/>
+                <a16:creationId xmlns:a16="http://schemas.microsoft.com/office/drawing/2014/main" xmlns="" id="{063A36FB-79EB-4521-9F00-052259F6B686}"/>
               </a:ext>
             </a:extLst>
           </p:cNvPr>
@@ -1784,7 +1784,7 @@
           <p:cNvPr id="5" name="Espaço Reservado para Texto 4">
             <a:extLst>
               <a:ext uri="{FF2B5EF4-FFF2-40B4-BE49-F238E27FC236}">
-                <a16:creationId xmlns="" xmlns:a16="http://schemas.microsoft.com/office/drawing/2014/main" id="{E0C33E91-287D-4F27-94CD-AF3350088D53}"/>
+                <a16:creationId xmlns:a16="http://schemas.microsoft.com/office/drawing/2014/main" xmlns="" id="{E0C33E91-287D-4F27-94CD-AF3350088D53}"/>
               </a:ext>
             </a:extLst>
           </p:cNvPr>
@@ -1855,7 +1855,7 @@
           <p:cNvPr id="6" name="Espaço Reservado para Conteúdo 5">
             <a:extLst>
               <a:ext uri="{FF2B5EF4-FFF2-40B4-BE49-F238E27FC236}">
-                <a16:creationId xmlns="" xmlns:a16="http://schemas.microsoft.com/office/drawing/2014/main" id="{937CBD43-F7E6-4CEB-B59A-13945CF89A39}"/>
+                <a16:creationId xmlns:a16="http://schemas.microsoft.com/office/drawing/2014/main" xmlns="" id="{937CBD43-F7E6-4CEB-B59A-13945CF89A39}"/>
               </a:ext>
             </a:extLst>
           </p:cNvPr>
@@ -1917,7 +1917,7 @@
           <p:cNvPr id="7" name="Espaço Reservado para Data 6">
             <a:extLst>
               <a:ext uri="{FF2B5EF4-FFF2-40B4-BE49-F238E27FC236}">
-                <a16:creationId xmlns="" xmlns:a16="http://schemas.microsoft.com/office/drawing/2014/main" id="{C33547E3-7FAB-4643-9249-48E2D0B0A751}"/>
+                <a16:creationId xmlns:a16="http://schemas.microsoft.com/office/drawing/2014/main" xmlns="" id="{C33547E3-7FAB-4643-9249-48E2D0B0A751}"/>
               </a:ext>
             </a:extLst>
           </p:cNvPr>
@@ -1935,7 +1935,7 @@
           <a:p>
             <a:fld id="{314398B0-7533-40F2-BBFE-2D620518F355}" type="datetimeFigureOut">
               <a:rPr lang="pt-BR" smtClean="0"/>
-              <a:t>10/06/2020</a:t>
+              <a:t>12/06/2020</a:t>
             </a:fld>
             <a:endParaRPr lang="pt-BR"/>
           </a:p>
@@ -1946,7 +1946,7 @@
           <p:cNvPr id="8" name="Espaço Reservado para Rodapé 7">
             <a:extLst>
               <a:ext uri="{FF2B5EF4-FFF2-40B4-BE49-F238E27FC236}">
-                <a16:creationId xmlns="" xmlns:a16="http://schemas.microsoft.com/office/drawing/2014/main" id="{FA57E93D-7061-46C2-8228-089E22B96336}"/>
+                <a16:creationId xmlns:a16="http://schemas.microsoft.com/office/drawing/2014/main" xmlns="" id="{FA57E93D-7061-46C2-8228-089E22B96336}"/>
               </a:ext>
             </a:extLst>
           </p:cNvPr>
@@ -1971,7 +1971,7 @@
           <p:cNvPr id="9" name="Espaço Reservado para Número de Slide 8">
             <a:extLst>
               <a:ext uri="{FF2B5EF4-FFF2-40B4-BE49-F238E27FC236}">
-                <a16:creationId xmlns="" xmlns:a16="http://schemas.microsoft.com/office/drawing/2014/main" id="{5F67C9CE-6ECC-469B-AA71-15FF095BB3E8}"/>
+                <a16:creationId xmlns:a16="http://schemas.microsoft.com/office/drawing/2014/main" xmlns="" id="{5F67C9CE-6ECC-469B-AA71-15FF095BB3E8}"/>
               </a:ext>
             </a:extLst>
           </p:cNvPr>
@@ -2030,7 +2030,7 @@
           <p:cNvPr id="2" name="Título 1">
             <a:extLst>
               <a:ext uri="{FF2B5EF4-FFF2-40B4-BE49-F238E27FC236}">
-                <a16:creationId xmlns="" xmlns:a16="http://schemas.microsoft.com/office/drawing/2014/main" id="{89046F56-8E1A-44E3-A940-3D187E757F58}"/>
+                <a16:creationId xmlns:a16="http://schemas.microsoft.com/office/drawing/2014/main" xmlns="" id="{89046F56-8E1A-44E3-A940-3D187E757F58}"/>
               </a:ext>
             </a:extLst>
           </p:cNvPr>
@@ -2058,7 +2058,7 @@
           <p:cNvPr id="3" name="Espaço Reservado para Data 2">
             <a:extLst>
               <a:ext uri="{FF2B5EF4-FFF2-40B4-BE49-F238E27FC236}">
-                <a16:creationId xmlns="" xmlns:a16="http://schemas.microsoft.com/office/drawing/2014/main" id="{376511D2-0C90-4D98-9527-96FD0AC0D9D4}"/>
+                <a16:creationId xmlns:a16="http://schemas.microsoft.com/office/drawing/2014/main" xmlns="" id="{376511D2-0C90-4D98-9527-96FD0AC0D9D4}"/>
               </a:ext>
             </a:extLst>
           </p:cNvPr>
@@ -2076,7 +2076,7 @@
           <a:p>
             <a:fld id="{314398B0-7533-40F2-BBFE-2D620518F355}" type="datetimeFigureOut">
               <a:rPr lang="pt-BR" smtClean="0"/>
-              <a:t>10/06/2020</a:t>
+              <a:t>12/06/2020</a:t>
             </a:fld>
             <a:endParaRPr lang="pt-BR"/>
           </a:p>
@@ -2087,7 +2087,7 @@
           <p:cNvPr id="4" name="Espaço Reservado para Rodapé 3">
             <a:extLst>
               <a:ext uri="{FF2B5EF4-FFF2-40B4-BE49-F238E27FC236}">
-                <a16:creationId xmlns="" xmlns:a16="http://schemas.microsoft.com/office/drawing/2014/main" id="{216D4E85-FD0F-4E1B-ADCB-FE4F714E8ED9}"/>
+                <a16:creationId xmlns:a16="http://schemas.microsoft.com/office/drawing/2014/main" xmlns="" id="{216D4E85-FD0F-4E1B-ADCB-FE4F714E8ED9}"/>
               </a:ext>
             </a:extLst>
           </p:cNvPr>
@@ -2112,7 +2112,7 @@
           <p:cNvPr id="5" name="Espaço Reservado para Número de Slide 4">
             <a:extLst>
               <a:ext uri="{FF2B5EF4-FFF2-40B4-BE49-F238E27FC236}">
-                <a16:creationId xmlns="" xmlns:a16="http://schemas.microsoft.com/office/drawing/2014/main" id="{580C9CE5-35BF-4733-8A29-59C3C8227B29}"/>
+                <a16:creationId xmlns:a16="http://schemas.microsoft.com/office/drawing/2014/main" xmlns="" id="{580C9CE5-35BF-4733-8A29-59C3C8227B29}"/>
               </a:ext>
             </a:extLst>
           </p:cNvPr>
@@ -2171,7 +2171,7 @@
           <p:cNvPr id="6" name="Imagem 5">
             <a:extLst>
               <a:ext uri="{FF2B5EF4-FFF2-40B4-BE49-F238E27FC236}">
-                <a16:creationId xmlns="" xmlns:a16="http://schemas.microsoft.com/office/drawing/2014/main" id="{1D33223E-08E2-4B32-ABA3-99F592EA07CC}"/>
+                <a16:creationId xmlns:a16="http://schemas.microsoft.com/office/drawing/2014/main" xmlns="" id="{1D33223E-08E2-4B32-ABA3-99F592EA07CC}"/>
               </a:ext>
             </a:extLst>
           </p:cNvPr>
@@ -2207,7 +2207,7 @@
           <p:cNvPr id="2" name="Espaço Reservado para Data 1">
             <a:extLst>
               <a:ext uri="{FF2B5EF4-FFF2-40B4-BE49-F238E27FC236}">
-                <a16:creationId xmlns="" xmlns:a16="http://schemas.microsoft.com/office/drawing/2014/main" id="{4B63D18E-C140-483E-A185-07953B4475C7}"/>
+                <a16:creationId xmlns:a16="http://schemas.microsoft.com/office/drawing/2014/main" xmlns="" id="{4B63D18E-C140-483E-A185-07953B4475C7}"/>
               </a:ext>
             </a:extLst>
           </p:cNvPr>
@@ -2225,7 +2225,7 @@
           <a:p>
             <a:fld id="{314398B0-7533-40F2-BBFE-2D620518F355}" type="datetimeFigureOut">
               <a:rPr lang="pt-BR" smtClean="0"/>
-              <a:t>10/06/2020</a:t>
+              <a:t>12/06/2020</a:t>
             </a:fld>
             <a:endParaRPr lang="pt-BR"/>
           </a:p>
@@ -2236,7 +2236,7 @@
           <p:cNvPr id="3" name="Espaço Reservado para Rodapé 2">
             <a:extLst>
               <a:ext uri="{FF2B5EF4-FFF2-40B4-BE49-F238E27FC236}">
-                <a16:creationId xmlns="" xmlns:a16="http://schemas.microsoft.com/office/drawing/2014/main" id="{EAA112E1-470F-4ED5-B98C-CF0DC132C89D}"/>
+                <a16:creationId xmlns:a16="http://schemas.microsoft.com/office/drawing/2014/main" xmlns="" id="{EAA112E1-470F-4ED5-B98C-CF0DC132C89D}"/>
               </a:ext>
             </a:extLst>
           </p:cNvPr>
@@ -2261,7 +2261,7 @@
           <p:cNvPr id="4" name="Espaço Reservado para Número de Slide 3">
             <a:extLst>
               <a:ext uri="{FF2B5EF4-FFF2-40B4-BE49-F238E27FC236}">
-                <a16:creationId xmlns="" xmlns:a16="http://schemas.microsoft.com/office/drawing/2014/main" id="{F43DDA12-B02C-43EB-B62E-719FC375D9E7}"/>
+                <a16:creationId xmlns:a16="http://schemas.microsoft.com/office/drawing/2014/main" xmlns="" id="{F43DDA12-B02C-43EB-B62E-719FC375D9E7}"/>
               </a:ext>
             </a:extLst>
           </p:cNvPr>
@@ -2320,7 +2320,7 @@
           <p:cNvPr id="2" name="Título 1">
             <a:extLst>
               <a:ext uri="{FF2B5EF4-FFF2-40B4-BE49-F238E27FC236}">
-                <a16:creationId xmlns="" xmlns:a16="http://schemas.microsoft.com/office/drawing/2014/main" id="{08B6F336-A75F-4B99-96B8-CCA095226642}"/>
+                <a16:creationId xmlns:a16="http://schemas.microsoft.com/office/drawing/2014/main" xmlns="" id="{08B6F336-A75F-4B99-96B8-CCA095226642}"/>
               </a:ext>
             </a:extLst>
           </p:cNvPr>
@@ -2357,7 +2357,7 @@
           <p:cNvPr id="3" name="Espaço Reservado para Conteúdo 2">
             <a:extLst>
               <a:ext uri="{FF2B5EF4-FFF2-40B4-BE49-F238E27FC236}">
-                <a16:creationId xmlns="" xmlns:a16="http://schemas.microsoft.com/office/drawing/2014/main" id="{A6771F1C-60E8-4ED7-AA7E-13C1538A4A95}"/>
+                <a16:creationId xmlns:a16="http://schemas.microsoft.com/office/drawing/2014/main" xmlns="" id="{A6771F1C-60E8-4ED7-AA7E-13C1538A4A95}"/>
               </a:ext>
             </a:extLst>
           </p:cNvPr>
@@ -2447,7 +2447,7 @@
           <p:cNvPr id="4" name="Espaço Reservado para Texto 3">
             <a:extLst>
               <a:ext uri="{FF2B5EF4-FFF2-40B4-BE49-F238E27FC236}">
-                <a16:creationId xmlns="" xmlns:a16="http://schemas.microsoft.com/office/drawing/2014/main" id="{740E8307-6F99-4288-8F0D-BE503A918DC7}"/>
+                <a16:creationId xmlns:a16="http://schemas.microsoft.com/office/drawing/2014/main" xmlns="" id="{740E8307-6F99-4288-8F0D-BE503A918DC7}"/>
               </a:ext>
             </a:extLst>
           </p:cNvPr>
@@ -2518,7 +2518,7 @@
           <p:cNvPr id="5" name="Espaço Reservado para Data 4">
             <a:extLst>
               <a:ext uri="{FF2B5EF4-FFF2-40B4-BE49-F238E27FC236}">
-                <a16:creationId xmlns="" xmlns:a16="http://schemas.microsoft.com/office/drawing/2014/main" id="{DCC23F47-FBBA-4521-A9DB-2BF209CF0731}"/>
+                <a16:creationId xmlns:a16="http://schemas.microsoft.com/office/drawing/2014/main" xmlns="" id="{DCC23F47-FBBA-4521-A9DB-2BF209CF0731}"/>
               </a:ext>
             </a:extLst>
           </p:cNvPr>
@@ -2536,7 +2536,7 @@
           <a:p>
             <a:fld id="{314398B0-7533-40F2-BBFE-2D620518F355}" type="datetimeFigureOut">
               <a:rPr lang="pt-BR" smtClean="0"/>
-              <a:t>10/06/2020</a:t>
+              <a:t>12/06/2020</a:t>
             </a:fld>
             <a:endParaRPr lang="pt-BR"/>
           </a:p>
@@ -2547,7 +2547,7 @@
           <p:cNvPr id="6" name="Espaço Reservado para Rodapé 5">
             <a:extLst>
               <a:ext uri="{FF2B5EF4-FFF2-40B4-BE49-F238E27FC236}">
-                <a16:creationId xmlns="" xmlns:a16="http://schemas.microsoft.com/office/drawing/2014/main" id="{E735CCBC-C14C-42BF-BED3-1D8654EEF0AF}"/>
+                <a16:creationId xmlns:a16="http://schemas.microsoft.com/office/drawing/2014/main" xmlns="" id="{E735CCBC-C14C-42BF-BED3-1D8654EEF0AF}"/>
               </a:ext>
             </a:extLst>
           </p:cNvPr>
@@ -2572,7 +2572,7 @@
           <p:cNvPr id="7" name="Espaço Reservado para Número de Slide 6">
             <a:extLst>
               <a:ext uri="{FF2B5EF4-FFF2-40B4-BE49-F238E27FC236}">
-                <a16:creationId xmlns="" xmlns:a16="http://schemas.microsoft.com/office/drawing/2014/main" id="{C88230E9-E8B4-4A75-B35B-8A181F35DE49}"/>
+                <a16:creationId xmlns:a16="http://schemas.microsoft.com/office/drawing/2014/main" xmlns="" id="{C88230E9-E8B4-4A75-B35B-8A181F35DE49}"/>
               </a:ext>
             </a:extLst>
           </p:cNvPr>
@@ -2631,7 +2631,7 @@
           <p:cNvPr id="2" name="Título 1">
             <a:extLst>
               <a:ext uri="{FF2B5EF4-FFF2-40B4-BE49-F238E27FC236}">
-                <a16:creationId xmlns="" xmlns:a16="http://schemas.microsoft.com/office/drawing/2014/main" id="{93DAA99E-B9BF-4D33-9D6D-05613C40F14C}"/>
+                <a16:creationId xmlns:a16="http://schemas.microsoft.com/office/drawing/2014/main" xmlns="" id="{93DAA99E-B9BF-4D33-9D6D-05613C40F14C}"/>
               </a:ext>
             </a:extLst>
           </p:cNvPr>
@@ -2668,7 +2668,7 @@
           <p:cNvPr id="3" name="Espaço Reservado para Imagem 2">
             <a:extLst>
               <a:ext uri="{FF2B5EF4-FFF2-40B4-BE49-F238E27FC236}">
-                <a16:creationId xmlns="" xmlns:a16="http://schemas.microsoft.com/office/drawing/2014/main" id="{980CD6B3-6F7E-4F83-8AE4-C65D7AF2D906}"/>
+                <a16:creationId xmlns:a16="http://schemas.microsoft.com/office/drawing/2014/main" xmlns="" id="{980CD6B3-6F7E-4F83-8AE4-C65D7AF2D906}"/>
               </a:ext>
             </a:extLst>
           </p:cNvPr>
@@ -2735,7 +2735,7 @@
           <p:cNvPr id="4" name="Espaço Reservado para Texto 3">
             <a:extLst>
               <a:ext uri="{FF2B5EF4-FFF2-40B4-BE49-F238E27FC236}">
-                <a16:creationId xmlns="" xmlns:a16="http://schemas.microsoft.com/office/drawing/2014/main" id="{BC50C44E-7D27-469C-BEB2-CC8837C6D4DC}"/>
+                <a16:creationId xmlns:a16="http://schemas.microsoft.com/office/drawing/2014/main" xmlns="" id="{BC50C44E-7D27-469C-BEB2-CC8837C6D4DC}"/>
               </a:ext>
             </a:extLst>
           </p:cNvPr>
@@ -2806,7 +2806,7 @@
           <p:cNvPr id="5" name="Espaço Reservado para Data 4">
             <a:extLst>
               <a:ext uri="{FF2B5EF4-FFF2-40B4-BE49-F238E27FC236}">
-                <a16:creationId xmlns="" xmlns:a16="http://schemas.microsoft.com/office/drawing/2014/main" id="{3C75F6E2-9BE3-4D07-AB2C-C4BDD0A00EC3}"/>
+                <a16:creationId xmlns:a16="http://schemas.microsoft.com/office/drawing/2014/main" xmlns="" id="{3C75F6E2-9BE3-4D07-AB2C-C4BDD0A00EC3}"/>
               </a:ext>
             </a:extLst>
           </p:cNvPr>
@@ -2824,7 +2824,7 @@
           <a:p>
             <a:fld id="{314398B0-7533-40F2-BBFE-2D620518F355}" type="datetimeFigureOut">
               <a:rPr lang="pt-BR" smtClean="0"/>
-              <a:t>10/06/2020</a:t>
+              <a:t>12/06/2020</a:t>
             </a:fld>
             <a:endParaRPr lang="pt-BR"/>
           </a:p>
@@ -2835,7 +2835,7 @@
           <p:cNvPr id="6" name="Espaço Reservado para Rodapé 5">
             <a:extLst>
               <a:ext uri="{FF2B5EF4-FFF2-40B4-BE49-F238E27FC236}">
-                <a16:creationId xmlns="" xmlns:a16="http://schemas.microsoft.com/office/drawing/2014/main" id="{37E69153-0D3C-48A2-9EC8-DB3EB1791390}"/>
+                <a16:creationId xmlns:a16="http://schemas.microsoft.com/office/drawing/2014/main" xmlns="" id="{37E69153-0D3C-48A2-9EC8-DB3EB1791390}"/>
               </a:ext>
             </a:extLst>
           </p:cNvPr>
@@ -2860,7 +2860,7 @@
           <p:cNvPr id="7" name="Espaço Reservado para Número de Slide 6">
             <a:extLst>
               <a:ext uri="{FF2B5EF4-FFF2-40B4-BE49-F238E27FC236}">
-                <a16:creationId xmlns="" xmlns:a16="http://schemas.microsoft.com/office/drawing/2014/main" id="{B82B0342-6B88-4E11-A0D1-6C55665AD682}"/>
+                <a16:creationId xmlns:a16="http://schemas.microsoft.com/office/drawing/2014/main" xmlns="" id="{B82B0342-6B88-4E11-A0D1-6C55665AD682}"/>
               </a:ext>
             </a:extLst>
           </p:cNvPr>
@@ -2924,7 +2924,7 @@
           <p:cNvPr id="2" name="Espaço Reservado para Título 1">
             <a:extLst>
               <a:ext uri="{FF2B5EF4-FFF2-40B4-BE49-F238E27FC236}">
-                <a16:creationId xmlns="" xmlns:a16="http://schemas.microsoft.com/office/drawing/2014/main" id="{553063B6-D906-45EC-B7E2-4A91F473C213}"/>
+                <a16:creationId xmlns:a16="http://schemas.microsoft.com/office/drawing/2014/main" xmlns="" id="{553063B6-D906-45EC-B7E2-4A91F473C213}"/>
               </a:ext>
             </a:extLst>
           </p:cNvPr>
@@ -2962,7 +2962,7 @@
           <p:cNvPr id="3" name="Espaço Reservado para Texto 2">
             <a:extLst>
               <a:ext uri="{FF2B5EF4-FFF2-40B4-BE49-F238E27FC236}">
-                <a16:creationId xmlns="" xmlns:a16="http://schemas.microsoft.com/office/drawing/2014/main" id="{3AEF972E-9A95-4CFB-A9B0-90A7914280A7}"/>
+                <a16:creationId xmlns:a16="http://schemas.microsoft.com/office/drawing/2014/main" xmlns="" id="{3AEF972E-9A95-4CFB-A9B0-90A7914280A7}"/>
               </a:ext>
             </a:extLst>
           </p:cNvPr>
@@ -3029,7 +3029,7 @@
           <p:cNvPr id="4" name="Espaço Reservado para Data 3">
             <a:extLst>
               <a:ext uri="{FF2B5EF4-FFF2-40B4-BE49-F238E27FC236}">
-                <a16:creationId xmlns="" xmlns:a16="http://schemas.microsoft.com/office/drawing/2014/main" id="{F4FB950B-A05A-4F71-B49C-CDBDC7C17086}"/>
+                <a16:creationId xmlns:a16="http://schemas.microsoft.com/office/drawing/2014/main" xmlns="" id="{F4FB950B-A05A-4F71-B49C-CDBDC7C17086}"/>
               </a:ext>
             </a:extLst>
           </p:cNvPr>
@@ -3065,7 +3065,7 @@
           <a:p>
             <a:fld id="{314398B0-7533-40F2-BBFE-2D620518F355}" type="datetimeFigureOut">
               <a:rPr lang="pt-BR" smtClean="0"/>
-              <a:t>10/06/2020</a:t>
+              <a:t>12/06/2020</a:t>
             </a:fld>
             <a:endParaRPr lang="pt-BR"/>
           </a:p>
@@ -3076,7 +3076,7 @@
           <p:cNvPr id="5" name="Espaço Reservado para Rodapé 4">
             <a:extLst>
               <a:ext uri="{FF2B5EF4-FFF2-40B4-BE49-F238E27FC236}">
-                <a16:creationId xmlns="" xmlns:a16="http://schemas.microsoft.com/office/drawing/2014/main" id="{3777B63B-63BE-47F8-A8CA-8319AFC6B390}"/>
+                <a16:creationId xmlns:a16="http://schemas.microsoft.com/office/drawing/2014/main" xmlns="" id="{3777B63B-63BE-47F8-A8CA-8319AFC6B390}"/>
               </a:ext>
             </a:extLst>
           </p:cNvPr>
@@ -3119,7 +3119,7 @@
           <p:cNvPr id="6" name="Espaço Reservado para Número de Slide 5">
             <a:extLst>
               <a:ext uri="{FF2B5EF4-FFF2-40B4-BE49-F238E27FC236}">
-                <a16:creationId xmlns="" xmlns:a16="http://schemas.microsoft.com/office/drawing/2014/main" id="{50BD655E-847E-424D-984B-C3C5429D60AF}"/>
+                <a16:creationId xmlns:a16="http://schemas.microsoft.com/office/drawing/2014/main" xmlns="" id="{50BD655E-847E-424D-984B-C3C5429D60AF}"/>
               </a:ext>
             </a:extLst>
           </p:cNvPr>
@@ -3487,7 +3487,7 @@
           <p:cNvPr id="5" name="Imagem 4">
             <a:extLst>
               <a:ext uri="{FF2B5EF4-FFF2-40B4-BE49-F238E27FC236}">
-                <a16:creationId xmlns="" xmlns:a16="http://schemas.microsoft.com/office/drawing/2014/main" id="{5DE311CA-B13E-435A-89BB-F3BE39204F6A}"/>
+                <a16:creationId xmlns:a16="http://schemas.microsoft.com/office/drawing/2014/main" xmlns="" id="{5DE311CA-B13E-435A-89BB-F3BE39204F6A}"/>
               </a:ext>
             </a:extLst>
           </p:cNvPr>
@@ -3523,7 +3523,7 @@
           <p:cNvPr id="2" name="Título 1">
             <a:extLst>
               <a:ext uri="{FF2B5EF4-FFF2-40B4-BE49-F238E27FC236}">
-                <a16:creationId xmlns="" xmlns:a16="http://schemas.microsoft.com/office/drawing/2014/main" id="{511E03D9-9FC3-48BF-B384-F864A3423B1B}"/>
+                <a16:creationId xmlns:a16="http://schemas.microsoft.com/office/drawing/2014/main" xmlns="" id="{511E03D9-9FC3-48BF-B384-F864A3423B1B}"/>
               </a:ext>
             </a:extLst>
           </p:cNvPr>
@@ -3566,7 +3566,7 @@
           <p:cNvPr id="3" name="Subtítulo 2">
             <a:extLst>
               <a:ext uri="{FF2B5EF4-FFF2-40B4-BE49-F238E27FC236}">
-                <a16:creationId xmlns="" xmlns:a16="http://schemas.microsoft.com/office/drawing/2014/main" id="{C5235C8F-E034-44A9-BE64-01D931398C68}"/>
+                <a16:creationId xmlns:a16="http://schemas.microsoft.com/office/drawing/2014/main" xmlns="" id="{C5235C8F-E034-44A9-BE64-01D931398C68}"/>
               </a:ext>
             </a:extLst>
           </p:cNvPr>
@@ -3697,7 +3697,7 @@
           <p:cNvPr id="6" name="Subtítulo 2">
             <a:extLst>
               <a:ext uri="{FF2B5EF4-FFF2-40B4-BE49-F238E27FC236}">
-                <a16:creationId xmlns="" xmlns:a16="http://schemas.microsoft.com/office/drawing/2014/main" id="{5101D3E4-A134-43B5-B41B-4599C6F9A1C6}"/>
+                <a16:creationId xmlns:a16="http://schemas.microsoft.com/office/drawing/2014/main" xmlns="" id="{5101D3E4-A134-43B5-B41B-4599C6F9A1C6}"/>
               </a:ext>
             </a:extLst>
           </p:cNvPr>
@@ -4076,7 +4076,7 @@
           <p:cNvPr id="2" name="Título 1">
             <a:extLst>
               <a:ext uri="{FF2B5EF4-FFF2-40B4-BE49-F238E27FC236}">
-                <a16:creationId xmlns="" xmlns:a16="http://schemas.microsoft.com/office/drawing/2014/main" id="{ACA4ECFE-DEE0-46DF-B574-CE170B14C9C7}"/>
+                <a16:creationId xmlns:a16="http://schemas.microsoft.com/office/drawing/2014/main" xmlns="" id="{ACA4ECFE-DEE0-46DF-B574-CE170B14C9C7}"/>
               </a:ext>
             </a:extLst>
           </p:cNvPr>
@@ -4116,11 +4116,18 @@
               <a:t>A </a:t>
             </a:r>
             <a:r>
+              <a:rPr lang="pt-BR" sz="3600" b="1" dirty="0" smtClean="0">
+                <a:latin typeface="Arial" panose="020B0604020202020204" pitchFamily="34" charset="0"/>
+                <a:cs typeface="Arial" panose="020B0604020202020204" pitchFamily="34" charset="0"/>
+              </a:rPr>
+              <a:t>relevância e objetivo geral </a:t>
+            </a:r>
+            <a:r>
               <a:rPr lang="pt-BR" sz="3600" b="1" dirty="0">
                 <a:latin typeface="Arial" panose="020B0604020202020204" pitchFamily="34" charset="0"/>
                 <a:cs typeface="Arial" panose="020B0604020202020204" pitchFamily="34" charset="0"/>
               </a:rPr>
-              <a:t>relevância do projeto</a:t>
+              <a:t>do projeto</a:t>
             </a:r>
             <a:r>
               <a:rPr lang="pt-BR" dirty="0"/>
@@ -4138,7 +4145,7 @@
           <p:cNvPr id="3" name="Espaço Reservado para Conteúdo 2">
             <a:extLst>
               <a:ext uri="{FF2B5EF4-FFF2-40B4-BE49-F238E27FC236}">
-                <a16:creationId xmlns="" xmlns:a16="http://schemas.microsoft.com/office/drawing/2014/main" id="{2E9FBCDA-AE4B-4E18-BDD9-4BA37FAD5770}"/>
+                <a16:creationId xmlns:a16="http://schemas.microsoft.com/office/drawing/2014/main" xmlns="" id="{2E9FBCDA-AE4B-4E18-BDD9-4BA37FAD5770}"/>
               </a:ext>
             </a:extLst>
           </p:cNvPr>
@@ -4226,11 +4233,25 @@
           <a:lstStyle/>
           <a:p>
             <a:r>
-              <a:rPr lang="pt-BR" b="1" dirty="0">
+              <a:rPr lang="pt-BR" b="1" dirty="0" smtClean="0">
                 <a:latin typeface="Arial" panose="020B0604020202020204" pitchFamily="34" charset="0"/>
                 <a:cs typeface="Arial" panose="020B0604020202020204" pitchFamily="34" charset="0"/>
               </a:rPr>
-              <a:t>Objetivo geral do projeto</a:t>
+              <a:t>Objetivos </a:t>
+            </a:r>
+            <a:r>
+              <a:rPr lang="pt-BR" b="1" dirty="0" smtClean="0">
+                <a:latin typeface="Arial" panose="020B0604020202020204" pitchFamily="34" charset="0"/>
+                <a:cs typeface="Arial" panose="020B0604020202020204" pitchFamily="34" charset="0"/>
+              </a:rPr>
+              <a:t>propostos</a:t>
+            </a:r>
+            <a:r>
+              <a:rPr lang="pt-BR" b="1" dirty="0" smtClean="0">
+                <a:latin typeface="Arial" panose="020B0604020202020204" pitchFamily="34" charset="0"/>
+                <a:cs typeface="Arial" panose="020B0604020202020204" pitchFamily="34" charset="0"/>
+              </a:rPr>
+              <a:t> </a:t>
             </a:r>
             <a:endParaRPr lang="pt-BR" dirty="0">
               <a:latin typeface="Arial" panose="020B0604020202020204" pitchFamily="34" charset="0"/>
